--- a/자율주행 시뮬레이터 설명.pptx
+++ b/자율주행 시뮬레이터 설명.pptx
@@ -1859,6 +1859,14 @@
         </dgm:presLayoutVars>
       </dgm:prSet>
       <dgm:spPr/>
+      <dgm:t>
+        <a:bodyPr/>
+        <a:lstStyle/>
+        <a:p>
+          <a:pPr latinLnBrk="1"/>
+          <a:endParaRPr lang="ko-KR" altLang="en-US"/>
+        </a:p>
+      </dgm:t>
     </dgm:pt>
     <dgm:pt modelId="{51771D6F-AA98-4CF1-8708-355C4B736734}" type="pres">
       <dgm:prSet presAssocID="{0F94BEE7-B5E8-4445-AC15-8DE7B129DEF1}" presName="cycle" presStyleCnt="0"/>
@@ -1871,10 +1879,26 @@
         </dgm:presLayoutVars>
       </dgm:prSet>
       <dgm:spPr/>
+      <dgm:t>
+        <a:bodyPr/>
+        <a:lstStyle/>
+        <a:p>
+          <a:pPr latinLnBrk="1"/>
+          <a:endParaRPr lang="ko-KR" altLang="en-US"/>
+        </a:p>
+      </dgm:t>
     </dgm:pt>
     <dgm:pt modelId="{C7516E6C-6DAA-48BC-A031-5F609748E45F}" type="pres">
       <dgm:prSet presAssocID="{A63AC3A7-94C7-4CF3-9DEC-063FA8E5343F}" presName="sibTransFirstNode" presStyleLbl="bgShp" presStyleIdx="0" presStyleCnt="1"/>
       <dgm:spPr/>
+      <dgm:t>
+        <a:bodyPr/>
+        <a:lstStyle/>
+        <a:p>
+          <a:pPr latinLnBrk="1"/>
+          <a:endParaRPr lang="ko-KR" altLang="en-US"/>
+        </a:p>
+      </dgm:t>
     </dgm:pt>
     <dgm:pt modelId="{034AB96A-46E5-4101-A481-F7C74A381D8C}" type="pres">
       <dgm:prSet presAssocID="{D5855F73-B757-4747-B2E6-FEB25BE11A41}" presName="nodeFollowingNodes" presStyleLbl="node1" presStyleIdx="1" presStyleCnt="5" custRadScaleRad="97234" custRadScaleInc="9985">
@@ -1942,18 +1966,18 @@
     </dgm:pt>
   </dgm:ptLst>
   <dgm:cxnLst>
+    <dgm:cxn modelId="{CAE614B1-3C49-4E3F-BC08-C5CD458DFCA7}" srcId="{0F94BEE7-B5E8-4445-AC15-8DE7B129DEF1}" destId="{A9985DB5-09C1-4E6C-8DD7-1B0231EAC54B}" srcOrd="3" destOrd="0" parTransId="{0E34BEE5-4635-46DF-B3ED-2B7B363AABC4}" sibTransId="{C57AB626-4EBB-437B-AF34-18968D7C0C69}"/>
+    <dgm:cxn modelId="{F7594FE6-7D4F-4C92-8FA7-160A7E3D4AE0}" srcId="{0F94BEE7-B5E8-4445-AC15-8DE7B129DEF1}" destId="{ED62BC22-D2F5-4487-A2EC-655326FB0190}" srcOrd="0" destOrd="0" parTransId="{C261F420-9353-4A00-A3D3-DD197E136102}" sibTransId="{A63AC3A7-94C7-4CF3-9DEC-063FA8E5343F}"/>
+    <dgm:cxn modelId="{6CE6B182-B2DD-4FD7-A527-C65E22EE36F8}" type="presOf" srcId="{AC2E1537-414D-4431-AE79-A690A138DE00}" destId="{E9A1897A-5395-4E35-85B5-5C71E892A125}" srcOrd="0" destOrd="0" presId="urn:microsoft.com/office/officeart/2005/8/layout/cycle3"/>
+    <dgm:cxn modelId="{793DA5A0-BB18-4230-AF57-8599335444B4}" type="presOf" srcId="{F4EAD4DC-7FC8-444A-A2B4-EC42BB1B5A33}" destId="{E082F222-FBC6-476E-818B-3CD17A073768}" srcOrd="0" destOrd="0" presId="urn:microsoft.com/office/officeart/2005/8/layout/cycle3"/>
+    <dgm:cxn modelId="{3089C1E8-560D-4E9A-BB60-6F5B4212AD7D}" srcId="{0F94BEE7-B5E8-4445-AC15-8DE7B129DEF1}" destId="{AC2E1537-414D-4431-AE79-A690A138DE00}" srcOrd="4" destOrd="0" parTransId="{A0B48C7E-81E2-4A5A-A887-CB29C0176928}" sibTransId="{50C7D2E0-0893-4849-A4CA-E2D06DB5BEA7}"/>
+    <dgm:cxn modelId="{4372BC26-506A-454B-821E-785DA037924C}" type="presOf" srcId="{A63AC3A7-94C7-4CF3-9DEC-063FA8E5343F}" destId="{C7516E6C-6DAA-48BC-A031-5F609748E45F}" srcOrd="0" destOrd="0" presId="urn:microsoft.com/office/officeart/2005/8/layout/cycle3"/>
     <dgm:cxn modelId="{9D8158F7-2FD1-4F14-9080-8BCAAAA05355}" type="presOf" srcId="{ED62BC22-D2F5-4487-A2EC-655326FB0190}" destId="{07240C42-17FB-4477-BA8F-98BF00A958A7}" srcOrd="0" destOrd="0" presId="urn:microsoft.com/office/officeart/2005/8/layout/cycle3"/>
     <dgm:cxn modelId="{542FA18A-3A47-433F-9996-B7EEB200D914}" srcId="{0F94BEE7-B5E8-4445-AC15-8DE7B129DEF1}" destId="{F4EAD4DC-7FC8-444A-A2B4-EC42BB1B5A33}" srcOrd="2" destOrd="0" parTransId="{B751A8E4-B075-46CF-B419-B2B88DF40B8F}" sibTransId="{1A292672-53C7-4686-B105-97D523828309}"/>
-    <dgm:cxn modelId="{F7594FE6-7D4F-4C92-8FA7-160A7E3D4AE0}" srcId="{0F94BEE7-B5E8-4445-AC15-8DE7B129DEF1}" destId="{ED62BC22-D2F5-4487-A2EC-655326FB0190}" srcOrd="0" destOrd="0" parTransId="{C261F420-9353-4A00-A3D3-DD197E136102}" sibTransId="{A63AC3A7-94C7-4CF3-9DEC-063FA8E5343F}"/>
+    <dgm:cxn modelId="{F6F197FC-EF71-433D-AA3C-D99A9B519B95}" srcId="{0F94BEE7-B5E8-4445-AC15-8DE7B129DEF1}" destId="{D5855F73-B757-4747-B2E6-FEB25BE11A41}" srcOrd="1" destOrd="0" parTransId="{41AB8FD0-061D-41F8-9377-A702DEE6216E}" sibTransId="{CC901B2F-D6A4-40C4-892C-1981AEBDC2A4}"/>
     <dgm:cxn modelId="{7F2684A1-7268-469A-A08F-D85C26A773D6}" type="presOf" srcId="{D5855F73-B757-4747-B2E6-FEB25BE11A41}" destId="{034AB96A-46E5-4101-A481-F7C74A381D8C}" srcOrd="0" destOrd="0" presId="urn:microsoft.com/office/officeart/2005/8/layout/cycle3"/>
-    <dgm:cxn modelId="{3089C1E8-560D-4E9A-BB60-6F5B4212AD7D}" srcId="{0F94BEE7-B5E8-4445-AC15-8DE7B129DEF1}" destId="{AC2E1537-414D-4431-AE79-A690A138DE00}" srcOrd="4" destOrd="0" parTransId="{A0B48C7E-81E2-4A5A-A887-CB29C0176928}" sibTransId="{50C7D2E0-0893-4849-A4CA-E2D06DB5BEA7}"/>
-    <dgm:cxn modelId="{793DA5A0-BB18-4230-AF57-8599335444B4}" type="presOf" srcId="{F4EAD4DC-7FC8-444A-A2B4-EC42BB1B5A33}" destId="{E082F222-FBC6-476E-818B-3CD17A073768}" srcOrd="0" destOrd="0" presId="urn:microsoft.com/office/officeart/2005/8/layout/cycle3"/>
-    <dgm:cxn modelId="{CAE614B1-3C49-4E3F-BC08-C5CD458DFCA7}" srcId="{0F94BEE7-B5E8-4445-AC15-8DE7B129DEF1}" destId="{A9985DB5-09C1-4E6C-8DD7-1B0231EAC54B}" srcOrd="3" destOrd="0" parTransId="{0E34BEE5-4635-46DF-B3ED-2B7B363AABC4}" sibTransId="{C57AB626-4EBB-437B-AF34-18968D7C0C69}"/>
-    <dgm:cxn modelId="{4372BC26-506A-454B-821E-785DA037924C}" type="presOf" srcId="{A63AC3A7-94C7-4CF3-9DEC-063FA8E5343F}" destId="{C7516E6C-6DAA-48BC-A031-5F609748E45F}" srcOrd="0" destOrd="0" presId="urn:microsoft.com/office/officeart/2005/8/layout/cycle3"/>
+    <dgm:cxn modelId="{20C8320C-2380-4A4A-B516-14FA210C2869}" type="presOf" srcId="{A9985DB5-09C1-4E6C-8DD7-1B0231EAC54B}" destId="{DB03D70D-6C69-4ACD-8B47-999FC145A861}" srcOrd="0" destOrd="0" presId="urn:microsoft.com/office/officeart/2005/8/layout/cycle3"/>
     <dgm:cxn modelId="{C0F93EDD-3C37-46D5-981C-25C2FF1F3647}" type="presOf" srcId="{0F94BEE7-B5E8-4445-AC15-8DE7B129DEF1}" destId="{593BF72A-D746-4ED4-9D1E-246D5AAEDE7C}" srcOrd="0" destOrd="0" presId="urn:microsoft.com/office/officeart/2005/8/layout/cycle3"/>
-    <dgm:cxn modelId="{6CE6B182-B2DD-4FD7-A527-C65E22EE36F8}" type="presOf" srcId="{AC2E1537-414D-4431-AE79-A690A138DE00}" destId="{E9A1897A-5395-4E35-85B5-5C71E892A125}" srcOrd="0" destOrd="0" presId="urn:microsoft.com/office/officeart/2005/8/layout/cycle3"/>
-    <dgm:cxn modelId="{F6F197FC-EF71-433D-AA3C-D99A9B519B95}" srcId="{0F94BEE7-B5E8-4445-AC15-8DE7B129DEF1}" destId="{D5855F73-B757-4747-B2E6-FEB25BE11A41}" srcOrd="1" destOrd="0" parTransId="{41AB8FD0-061D-41F8-9377-A702DEE6216E}" sibTransId="{CC901B2F-D6A4-40C4-892C-1981AEBDC2A4}"/>
-    <dgm:cxn modelId="{20C8320C-2380-4A4A-B516-14FA210C2869}" type="presOf" srcId="{A9985DB5-09C1-4E6C-8DD7-1B0231EAC54B}" destId="{DB03D70D-6C69-4ACD-8B47-999FC145A861}" srcOrd="0" destOrd="0" presId="urn:microsoft.com/office/officeart/2005/8/layout/cycle3"/>
     <dgm:cxn modelId="{E9B6AB37-64A6-4258-8BC9-813EF3AF34AD}" type="presParOf" srcId="{593BF72A-D746-4ED4-9D1E-246D5AAEDE7C}" destId="{51771D6F-AA98-4CF1-8708-355C4B736734}" srcOrd="0" destOrd="0" presId="urn:microsoft.com/office/officeart/2005/8/layout/cycle3"/>
     <dgm:cxn modelId="{78AEA2AD-C5B7-4F42-BC3C-19AC9822A5AA}" type="presParOf" srcId="{51771D6F-AA98-4CF1-8708-355C4B736734}" destId="{07240C42-17FB-4477-BA8F-98BF00A958A7}" srcOrd="0" destOrd="0" presId="urn:microsoft.com/office/officeart/2005/8/layout/cycle3"/>
     <dgm:cxn modelId="{D5770D97-AB03-4BDB-B4FE-DAADBF01347B}" type="presParOf" srcId="{51771D6F-AA98-4CF1-8708-355C4B736734}" destId="{C7516E6C-6DAA-48BC-A031-5F609748E45F}" srcOrd="1" destOrd="0" presId="urn:microsoft.com/office/officeart/2005/8/layout/cycle3"/>
@@ -2135,6 +2159,14 @@
         </dgm:presLayoutVars>
       </dgm:prSet>
       <dgm:spPr/>
+      <dgm:t>
+        <a:bodyPr/>
+        <a:lstStyle/>
+        <a:p>
+          <a:pPr latinLnBrk="1"/>
+          <a:endParaRPr lang="ko-KR" altLang="en-US"/>
+        </a:p>
+      </dgm:t>
     </dgm:pt>
     <dgm:pt modelId="{C66047F4-AA75-4061-AC3B-5EC332403659}" type="pres">
       <dgm:prSet presAssocID="{7C0A79D8-89FB-418C-9B28-4798F57C1E96}" presName="node" presStyleLbl="node1" presStyleIdx="0" presStyleCnt="2" custScaleX="107165" custScaleY="102862">
@@ -2159,6 +2191,14 @@
     <dgm:pt modelId="{F27E9434-AD33-47D8-AE85-83617B90A973}" type="pres">
       <dgm:prSet presAssocID="{A157C717-7B74-41E4-A3DC-3A5E333CCB76}" presName="sibTrans" presStyleLbl="sibTrans1D1" presStyleIdx="0" presStyleCnt="2"/>
       <dgm:spPr/>
+      <dgm:t>
+        <a:bodyPr/>
+        <a:lstStyle/>
+        <a:p>
+          <a:pPr latinLnBrk="1"/>
+          <a:endParaRPr lang="ko-KR" altLang="en-US"/>
+        </a:p>
+      </dgm:t>
     </dgm:pt>
     <dgm:pt modelId="{59DFFF8B-D14D-4079-B5D4-41CA70FBC2B5}" type="pres">
       <dgm:prSet presAssocID="{CAB380B3-20DF-41EF-BE4F-0AF801BB1535}" presName="node" presStyleLbl="node1" presStyleIdx="1" presStyleCnt="2" custScaleX="93634" custScaleY="99778">
@@ -2183,16 +2223,24 @@
     <dgm:pt modelId="{A9694AE9-7C01-4340-8B5E-31BEDF1828CF}" type="pres">
       <dgm:prSet presAssocID="{0937A045-E743-4F1E-B7BB-224EFCBDFB91}" presName="sibTrans" presStyleLbl="sibTrans1D1" presStyleIdx="1" presStyleCnt="2"/>
       <dgm:spPr/>
+      <dgm:t>
+        <a:bodyPr/>
+        <a:lstStyle/>
+        <a:p>
+          <a:pPr latinLnBrk="1"/>
+          <a:endParaRPr lang="ko-KR" altLang="en-US"/>
+        </a:p>
+      </dgm:t>
     </dgm:pt>
   </dgm:ptLst>
   <dgm:cxnLst>
     <dgm:cxn modelId="{63EB37FA-35EA-4B16-8810-14BB6B8DBAA1}" srcId="{05A58E30-44E3-4A83-BD17-CE957A0786B3}" destId="{7C0A79D8-89FB-418C-9B28-4798F57C1E96}" srcOrd="0" destOrd="0" parTransId="{74C4DFA0-BCE0-402B-9E9B-8336468F7386}" sibTransId="{A157C717-7B74-41E4-A3DC-3A5E333CCB76}"/>
+    <dgm:cxn modelId="{7B56E0DE-B285-4E1A-9D93-30A6222D6F92}" type="presOf" srcId="{05A58E30-44E3-4A83-BD17-CE957A0786B3}" destId="{06D9DD19-7C8D-4830-A2D9-18B295A75483}" srcOrd="0" destOrd="0" presId="urn:microsoft.com/office/officeart/2005/8/layout/cycle5"/>
     <dgm:cxn modelId="{2FD8E931-8C23-46BB-ABAF-131E50AD2599}" type="presOf" srcId="{CAB380B3-20DF-41EF-BE4F-0AF801BB1535}" destId="{59DFFF8B-D14D-4079-B5D4-41CA70FBC2B5}" srcOrd="0" destOrd="0" presId="urn:microsoft.com/office/officeart/2005/8/layout/cycle5"/>
-    <dgm:cxn modelId="{4EB48D43-D6B9-4C64-B6F8-1EFF43698525}" type="presOf" srcId="{0937A045-E743-4F1E-B7BB-224EFCBDFB91}" destId="{A9694AE9-7C01-4340-8B5E-31BEDF1828CF}" srcOrd="0" destOrd="0" presId="urn:microsoft.com/office/officeart/2005/8/layout/cycle5"/>
+    <dgm:cxn modelId="{AF2D9F48-E1A6-41B7-A62B-AC80CA88CAA0}" srcId="{05A58E30-44E3-4A83-BD17-CE957A0786B3}" destId="{CAB380B3-20DF-41EF-BE4F-0AF801BB1535}" srcOrd="1" destOrd="0" parTransId="{A0DC9B59-817E-4E34-BC4B-CAB8A76EE177}" sibTransId="{0937A045-E743-4F1E-B7BB-224EFCBDFB91}"/>
     <dgm:cxn modelId="{35B9570F-D729-4ED7-A727-8D83FC9F6CA5}" type="presOf" srcId="{7C0A79D8-89FB-418C-9B28-4798F57C1E96}" destId="{C66047F4-AA75-4061-AC3B-5EC332403659}" srcOrd="0" destOrd="0" presId="urn:microsoft.com/office/officeart/2005/8/layout/cycle5"/>
     <dgm:cxn modelId="{B30E627A-E8FB-4AAC-8236-28A6C4888678}" type="presOf" srcId="{A157C717-7B74-41E4-A3DC-3A5E333CCB76}" destId="{F27E9434-AD33-47D8-AE85-83617B90A973}" srcOrd="0" destOrd="0" presId="urn:microsoft.com/office/officeart/2005/8/layout/cycle5"/>
-    <dgm:cxn modelId="{AF2D9F48-E1A6-41B7-A62B-AC80CA88CAA0}" srcId="{05A58E30-44E3-4A83-BD17-CE957A0786B3}" destId="{CAB380B3-20DF-41EF-BE4F-0AF801BB1535}" srcOrd="1" destOrd="0" parTransId="{A0DC9B59-817E-4E34-BC4B-CAB8A76EE177}" sibTransId="{0937A045-E743-4F1E-B7BB-224EFCBDFB91}"/>
-    <dgm:cxn modelId="{7B56E0DE-B285-4E1A-9D93-30A6222D6F92}" type="presOf" srcId="{05A58E30-44E3-4A83-BD17-CE957A0786B3}" destId="{06D9DD19-7C8D-4830-A2D9-18B295A75483}" srcOrd="0" destOrd="0" presId="urn:microsoft.com/office/officeart/2005/8/layout/cycle5"/>
+    <dgm:cxn modelId="{4EB48D43-D6B9-4C64-B6F8-1EFF43698525}" type="presOf" srcId="{0937A045-E743-4F1E-B7BB-224EFCBDFB91}" destId="{A9694AE9-7C01-4340-8B5E-31BEDF1828CF}" srcOrd="0" destOrd="0" presId="urn:microsoft.com/office/officeart/2005/8/layout/cycle5"/>
     <dgm:cxn modelId="{21131FF3-58B5-473D-9BB7-8815EB265C4D}" type="presParOf" srcId="{06D9DD19-7C8D-4830-A2D9-18B295A75483}" destId="{C66047F4-AA75-4061-AC3B-5EC332403659}" srcOrd="0" destOrd="0" presId="urn:microsoft.com/office/officeart/2005/8/layout/cycle5"/>
     <dgm:cxn modelId="{9D0B90F0-5BAF-4130-A412-FD23609B87E8}" type="presParOf" srcId="{06D9DD19-7C8D-4830-A2D9-18B295A75483}" destId="{7B8EEBCC-711B-4DAE-B285-04B95E44F0C8}" srcOrd="1" destOrd="0" presId="urn:microsoft.com/office/officeart/2005/8/layout/cycle5"/>
     <dgm:cxn modelId="{C943C35F-DC86-4D6D-B87F-4A91BD7351AC}" type="presParOf" srcId="{06D9DD19-7C8D-4830-A2D9-18B295A75483}" destId="{F27E9434-AD33-47D8-AE85-83617B90A973}" srcOrd="2" destOrd="0" presId="urn:microsoft.com/office/officeart/2005/8/layout/cycle5"/>
@@ -2677,334 +2725,6 @@
       <dsp:cNvGrpSpPr/>
     </dsp:nvGrpSpPr>
     <dsp:grpSpPr/>
-    <dsp:sp modelId="{C66047F4-AA75-4061-AC3B-5EC332403659}">
-      <dsp:nvSpPr>
-        <dsp:cNvPr id="0" name=""/>
-        <dsp:cNvSpPr/>
-      </dsp:nvSpPr>
-      <dsp:spPr>
-        <a:xfrm>
-          <a:off x="-3617" y="800097"/>
-          <a:ext cx="2037283" cy="1271062"/>
-        </a:xfrm>
-        <a:prstGeom prst="roundRect">
-          <a:avLst/>
-        </a:prstGeom>
-        <a:solidFill>
-          <a:schemeClr val="accent1">
-            <a:hueOff val="0"/>
-            <a:satOff val="0"/>
-            <a:lumOff val="0"/>
-            <a:alphaOff val="0"/>
-          </a:schemeClr>
-        </a:solidFill>
-        <a:ln w="15875" cap="flat" cmpd="sng" algn="ctr">
-          <a:solidFill>
-            <a:schemeClr val="lt1">
-              <a:hueOff val="0"/>
-              <a:satOff val="0"/>
-              <a:lumOff val="0"/>
-              <a:alphaOff val="0"/>
-            </a:schemeClr>
-          </a:solidFill>
-          <a:prstDash val="solid"/>
-        </a:ln>
-        <a:effectLst/>
-      </dsp:spPr>
-      <dsp:style>
-        <a:lnRef idx="2">
-          <a:scrgbClr r="0" g="0" b="0"/>
-        </a:lnRef>
-        <a:fillRef idx="1">
-          <a:scrgbClr r="0" g="0" b="0"/>
-        </a:fillRef>
-        <a:effectRef idx="0">
-          <a:scrgbClr r="0" g="0" b="0"/>
-        </a:effectRef>
-        <a:fontRef idx="minor">
-          <a:schemeClr val="lt1"/>
-        </a:fontRef>
-      </dsp:style>
-      <dsp:txBody>
-        <a:bodyPr spcFirstLastPara="0" vert="horz" wrap="square" lIns="49530" tIns="49530" rIns="49530" bIns="49530" numCol="1" spcCol="1270" anchor="ctr" anchorCtr="0">
-          <a:noAutofit/>
-        </a:bodyPr>
-        <a:lstStyle/>
-        <a:p>
-          <a:pPr lvl="0" algn="ctr" defTabSz="577850" latinLnBrk="1">
-            <a:lnSpc>
-              <a:spcPct val="90000"/>
-            </a:lnSpc>
-            <a:spcBef>
-              <a:spcPct val="0"/>
-            </a:spcBef>
-            <a:spcAft>
-              <a:spcPct val="35000"/>
-            </a:spcAft>
-          </a:pPr>
-          <a:r>
-            <a:rPr lang="ko-KR" altLang="en-US" sz="1300" kern="1200" dirty="0" smtClean="0"/>
-            <a:t>가중치 기반</a:t>
-          </a:r>
-          <a:endParaRPr lang="en-US" altLang="ko-KR" sz="1300" kern="1200" dirty="0" smtClean="0"/>
-        </a:p>
-        <a:p>
-          <a:pPr lvl="0" algn="ctr" defTabSz="577850" latinLnBrk="1">
-            <a:lnSpc>
-              <a:spcPct val="90000"/>
-            </a:lnSpc>
-            <a:spcBef>
-              <a:spcPct val="0"/>
-            </a:spcBef>
-            <a:spcAft>
-              <a:spcPct val="35000"/>
-            </a:spcAft>
-          </a:pPr>
-          <a:r>
-            <a:rPr lang="ko-KR" altLang="en-US" sz="1300" kern="1200" dirty="0" smtClean="0"/>
-            <a:t>의사결정</a:t>
-          </a:r>
-          <a:endParaRPr lang="en-US" altLang="ko-KR" sz="1300" kern="1200" dirty="0" smtClean="0"/>
-        </a:p>
-        <a:p>
-          <a:pPr lvl="0" algn="ctr" defTabSz="577850" latinLnBrk="1">
-            <a:lnSpc>
-              <a:spcPct val="90000"/>
-            </a:lnSpc>
-            <a:spcBef>
-              <a:spcPct val="0"/>
-            </a:spcBef>
-            <a:spcAft>
-              <a:spcPct val="35000"/>
-            </a:spcAft>
-          </a:pPr>
-          <a:r>
-            <a:rPr lang="en-US" altLang="ko-KR" sz="1300" kern="1200" dirty="0" smtClean="0"/>
-            <a:t>(</a:t>
-          </a:r>
-          <a:r>
-            <a:rPr lang="ko-KR" altLang="en-US" sz="1300" kern="1200" dirty="0" smtClean="0"/>
-            <a:t>방향</a:t>
-          </a:r>
-          <a:r>
-            <a:rPr lang="en-US" altLang="ko-KR" sz="1300" kern="1200" dirty="0" smtClean="0"/>
-            <a:t>, </a:t>
-          </a:r>
-          <a:r>
-            <a:rPr lang="ko-KR" altLang="en-US" sz="1300" kern="1200" dirty="0" smtClean="0"/>
-            <a:t>속도</a:t>
-          </a:r>
-          <a:r>
-            <a:rPr lang="en-US" altLang="ko-KR" sz="1300" kern="1200" dirty="0" smtClean="0"/>
-            <a:t>)</a:t>
-          </a:r>
-          <a:endParaRPr lang="ko-KR" altLang="en-US" sz="1300" kern="1200" dirty="0"/>
-        </a:p>
-      </dsp:txBody>
-      <dsp:txXfrm>
-        <a:off x="58431" y="862145"/>
-        <a:ext cx="1913187" cy="1146966"/>
-      </dsp:txXfrm>
-    </dsp:sp>
-    <dsp:sp modelId="{F27E9434-AD33-47D8-AE85-83617B90A973}">
-      <dsp:nvSpPr>
-        <dsp:cNvPr id="0" name=""/>
-        <dsp:cNvSpPr/>
-      </dsp:nvSpPr>
-      <dsp:spPr>
-        <a:xfrm>
-          <a:off x="1015023" y="387681"/>
-          <a:ext cx="2095894" cy="2095894"/>
-        </a:xfrm>
-        <a:custGeom>
-          <a:avLst/>
-          <a:gdLst/>
-          <a:ahLst/>
-          <a:cxnLst/>
-          <a:rect l="0" t="0" r="0" b="0"/>
-          <a:pathLst>
-            <a:path>
-              <a:moveTo>
-                <a:pt x="457593" y="182109"/>
-              </a:moveTo>
-              <a:arcTo wR="1047947" hR="1047947" stAng="14142761" swAng="4192425"/>
-            </a:path>
-          </a:pathLst>
-        </a:custGeom>
-        <a:noFill/>
-        <a:ln w="76200" cap="flat" cmpd="sng" algn="ctr">
-          <a:solidFill>
-            <a:schemeClr val="accent1"/>
-          </a:solidFill>
-          <a:prstDash val="solid"/>
-          <a:tailEnd type="arrow"/>
-        </a:ln>
-        <a:effectLst/>
-      </dsp:spPr>
-      <dsp:style>
-        <a:lnRef idx="1">
-          <a:scrgbClr r="0" g="0" b="0"/>
-        </a:lnRef>
-        <a:fillRef idx="0">
-          <a:scrgbClr r="0" g="0" b="0"/>
-        </a:fillRef>
-        <a:effectRef idx="0">
-          <a:scrgbClr r="0" g="0" b="0"/>
-        </a:effectRef>
-        <a:fontRef idx="minor"/>
-      </dsp:style>
-    </dsp:sp>
-    <dsp:sp modelId="{59DFFF8B-D14D-4079-B5D4-41CA70FBC2B5}">
-      <dsp:nvSpPr>
-        <dsp:cNvPr id="0" name=""/>
-        <dsp:cNvSpPr/>
-      </dsp:nvSpPr>
-      <dsp:spPr>
-        <a:xfrm>
-          <a:off x="2220893" y="819152"/>
-          <a:ext cx="1780049" cy="1232953"/>
-        </a:xfrm>
-        <a:prstGeom prst="roundRect">
-          <a:avLst/>
-        </a:prstGeom>
-        <a:solidFill>
-          <a:schemeClr val="accent1">
-            <a:hueOff val="0"/>
-            <a:satOff val="0"/>
-            <a:lumOff val="0"/>
-            <a:alphaOff val="0"/>
-          </a:schemeClr>
-        </a:solidFill>
-        <a:ln w="15875" cap="flat" cmpd="sng" algn="ctr">
-          <a:solidFill>
-            <a:schemeClr val="lt1">
-              <a:hueOff val="0"/>
-              <a:satOff val="0"/>
-              <a:lumOff val="0"/>
-              <a:alphaOff val="0"/>
-            </a:schemeClr>
-          </a:solidFill>
-          <a:prstDash val="solid"/>
-        </a:ln>
-        <a:effectLst/>
-      </dsp:spPr>
-      <dsp:style>
-        <a:lnRef idx="2">
-          <a:scrgbClr r="0" g="0" b="0"/>
-        </a:lnRef>
-        <a:fillRef idx="1">
-          <a:scrgbClr r="0" g="0" b="0"/>
-        </a:fillRef>
-        <a:effectRef idx="0">
-          <a:scrgbClr r="0" g="0" b="0"/>
-        </a:effectRef>
-        <a:fontRef idx="minor">
-          <a:schemeClr val="lt1"/>
-        </a:fontRef>
-      </dsp:style>
-      <dsp:txBody>
-        <a:bodyPr spcFirstLastPara="0" vert="horz" wrap="square" lIns="49530" tIns="49530" rIns="49530" bIns="49530" numCol="1" spcCol="1270" anchor="ctr" anchorCtr="0">
-          <a:noAutofit/>
-        </a:bodyPr>
-        <a:lstStyle/>
-        <a:p>
-          <a:pPr lvl="0" algn="ctr" defTabSz="577850" latinLnBrk="1">
-            <a:lnSpc>
-              <a:spcPct val="90000"/>
-            </a:lnSpc>
-            <a:spcBef>
-              <a:spcPct val="0"/>
-            </a:spcBef>
-            <a:spcAft>
-              <a:spcPct val="35000"/>
-            </a:spcAft>
-          </a:pPr>
-          <a:r>
-            <a:rPr lang="ko-KR" altLang="en-US" sz="1300" kern="1200" dirty="0" smtClean="0"/>
-            <a:t>보상 획득</a:t>
-          </a:r>
-          <a:endParaRPr lang="en-US" altLang="ko-KR" sz="1300" kern="1200" dirty="0" smtClean="0"/>
-        </a:p>
-        <a:p>
-          <a:pPr lvl="0" algn="ctr" defTabSz="577850" latinLnBrk="1">
-            <a:lnSpc>
-              <a:spcPct val="90000"/>
-            </a:lnSpc>
-            <a:spcBef>
-              <a:spcPct val="0"/>
-            </a:spcBef>
-            <a:spcAft>
-              <a:spcPct val="35000"/>
-            </a:spcAft>
-          </a:pPr>
-          <a:r>
-            <a:rPr lang="en-US" altLang="ko-KR" sz="1300" kern="1200" dirty="0" smtClean="0"/>
-            <a:t>(</a:t>
-          </a:r>
-          <a:r>
-            <a:rPr lang="ko-KR" altLang="en-US" sz="1300" kern="1200" dirty="0" smtClean="0"/>
-            <a:t>충돌 </a:t>
-          </a:r>
-          <a:r>
-            <a:rPr lang="en-US" altLang="ko-KR" sz="1300" kern="1200" dirty="0" smtClean="0"/>
-            <a:t>X)</a:t>
-          </a:r>
-          <a:endParaRPr lang="ko-KR" altLang="en-US" sz="1300" kern="1200" dirty="0"/>
-        </a:p>
-      </dsp:txBody>
-      <dsp:txXfrm>
-        <a:off x="2281081" y="879340"/>
-        <a:ext cx="1659673" cy="1112577"/>
-      </dsp:txXfrm>
-    </dsp:sp>
-    <dsp:sp modelId="{A9694AE9-7C01-4340-8B5E-31BEDF1828CF}">
-      <dsp:nvSpPr>
-        <dsp:cNvPr id="0" name=""/>
-        <dsp:cNvSpPr/>
-      </dsp:nvSpPr>
-      <dsp:spPr>
-        <a:xfrm>
-          <a:off x="1015023" y="387681"/>
-          <a:ext cx="2095894" cy="2095894"/>
-        </a:xfrm>
-        <a:custGeom>
-          <a:avLst/>
-          <a:gdLst/>
-          <a:ahLst/>
-          <a:cxnLst/>
-          <a:rect l="0" t="0" r="0" b="0"/>
-          <a:pathLst>
-            <a:path>
-              <a:moveTo>
-                <a:pt x="1657779" y="1900178"/>
-              </a:moveTo>
-              <a:arcTo wR="1047947" hR="1047947" stAng="3264814" swAng="4192425"/>
-            </a:path>
-          </a:pathLst>
-        </a:custGeom>
-        <a:noFill/>
-        <a:ln w="76200" cap="flat" cmpd="sng" algn="ctr">
-          <a:solidFill>
-            <a:schemeClr val="accent1"/>
-          </a:solidFill>
-          <a:prstDash val="solid"/>
-          <a:tailEnd type="arrow"/>
-        </a:ln>
-        <a:effectLst/>
-      </dsp:spPr>
-      <dsp:style>
-        <a:lnRef idx="1">
-          <a:scrgbClr r="0" g="0" b="0"/>
-        </a:lnRef>
-        <a:fillRef idx="0">
-          <a:scrgbClr r="0" g="0" b="0"/>
-        </a:fillRef>
-        <a:effectRef idx="0">
-          <a:scrgbClr r="0" g="0" b="0"/>
-        </a:effectRef>
-        <a:fontRef idx="minor"/>
-      </dsp:style>
-    </dsp:sp>
   </dsp:spTree>
 </dsp:drawing>
 </file>
@@ -13661,15 +13381,7 @@
             </a:r>
             <a:r>
               <a:rPr lang="ko-KR" altLang="en-US" dirty="0" smtClean="0"/>
-              <a:t>기반 </a:t>
-            </a:r>
-            <a:r>
-              <a:rPr lang="ko-KR" altLang="en-US" dirty="0" smtClean="0"/>
-              <a:t>서버</a:t>
-            </a:r>
-            <a:r>
-              <a:rPr lang="ko-KR" altLang="en-US" dirty="0" smtClean="0"/>
-              <a:t> 서비스</a:t>
+              <a:t>기반 서버 서비스</a:t>
             </a:r>
             <a:r>
               <a:rPr lang="en-US" altLang="ko-KR" dirty="0" smtClean="0"/>
@@ -14432,7 +14144,9 @@
           <a:lstStyle/>
           <a:p>
             <a:r>
-              <a:rPr lang="en-US" altLang="ko-KR" dirty="0"/>
+              <a:rPr lang="en-US" altLang="ko-KR" dirty="0">
+                <a:hlinkClick r:id="rId2"/>
+              </a:rPr>
               <a:t>https://www.youtube.com/watch?v=pWm-ws5K5UA</a:t>
             </a:r>
             <a:endParaRPr lang="ko-KR" altLang="en-US" dirty="0"/>
@@ -14448,7 +14162,7 @@
           <p:nvPr/>
         </p:nvPicPr>
         <p:blipFill>
-          <a:blip r:embed="rId2"/>
+          <a:blip r:embed="rId3"/>
           <a:stretch>
             <a:fillRect/>
           </a:stretch>
